--- a/Functionele decompositie Aquabot.pptx
+++ b/Functionele decompositie Aquabot.pptx
@@ -5,7 +5,7 @@
     <p:sldMasterId id="2147483648" r:id="rId1"/>
   </p:sldMasterIdLst>
   <p:notesMasterIdLst>
-    <p:notesMasterId r:id="rId8"/>
+    <p:notesMasterId r:id="rId11"/>
   </p:notesMasterIdLst>
   <p:sldIdLst>
     <p:sldId id="256" r:id="rId2"/>
@@ -14,6 +14,9 @@
     <p:sldId id="259" r:id="rId5"/>
     <p:sldId id="260" r:id="rId6"/>
     <p:sldId id="261" r:id="rId7"/>
+    <p:sldId id="262" r:id="rId8"/>
+    <p:sldId id="263" r:id="rId9"/>
+    <p:sldId id="264" r:id="rId10"/>
   </p:sldIdLst>
   <p:sldSz cx="12192000" cy="6858000"/>
   <p:notesSz cx="6858000" cy="9144000"/>
@@ -112,6 +115,11 @@
       </a:defRPr>
     </a:lvl9pPr>
   </p:defaultTextStyle>
+  <p:extLst>
+    <p:ext uri="{EFAFB233-063F-42B5-8137-9DF3F51BA10A}">
+      <p15:sldGuideLst xmlns:p15="http://schemas.microsoft.com/office/powerpoint/2012/main"/>
+    </p:ext>
+  </p:extLst>
 </p:presentation>
 </file>
 
@@ -197,7 +205,7 @@
           <a:p>
             <a:fld id="{E958DADE-E50A-4784-8652-7F173B2667EB}" type="datetimeFigureOut">
               <a:rPr lang="en-NL" smtClean="0"/>
-              <a:t>23/02/2022</a:t>
+              <a:t>02/23/2022</a:t>
             </a:fld>
             <a:endParaRPr lang="en-NL"/>
           </a:p>
@@ -1315,7 +1323,7 @@
           <a:p>
             <a:fld id="{3DC102A0-5209-461E-B33A-7C4642BCB3F0}" type="datetimeFigureOut">
               <a:rPr lang="en-NL" smtClean="0"/>
-              <a:t>23/02/2022</a:t>
+              <a:t>02/23/2022</a:t>
             </a:fld>
             <a:endParaRPr lang="en-NL"/>
           </a:p>
@@ -1515,7 +1523,7 @@
           <a:p>
             <a:fld id="{3DC102A0-5209-461E-B33A-7C4642BCB3F0}" type="datetimeFigureOut">
               <a:rPr lang="en-NL" smtClean="0"/>
-              <a:t>23/02/2022</a:t>
+              <a:t>02/23/2022</a:t>
             </a:fld>
             <a:endParaRPr lang="en-NL"/>
           </a:p>
@@ -1725,7 +1733,7 @@
           <a:p>
             <a:fld id="{3DC102A0-5209-461E-B33A-7C4642BCB3F0}" type="datetimeFigureOut">
               <a:rPr lang="en-NL" smtClean="0"/>
-              <a:t>23/02/2022</a:t>
+              <a:t>02/23/2022</a:t>
             </a:fld>
             <a:endParaRPr lang="en-NL"/>
           </a:p>
@@ -1925,7 +1933,7 @@
           <a:p>
             <a:fld id="{3DC102A0-5209-461E-B33A-7C4642BCB3F0}" type="datetimeFigureOut">
               <a:rPr lang="en-NL" smtClean="0"/>
-              <a:t>23/02/2022</a:t>
+              <a:t>02/23/2022</a:t>
             </a:fld>
             <a:endParaRPr lang="en-NL"/>
           </a:p>
@@ -2201,7 +2209,7 @@
           <a:p>
             <a:fld id="{3DC102A0-5209-461E-B33A-7C4642BCB3F0}" type="datetimeFigureOut">
               <a:rPr lang="en-NL" smtClean="0"/>
-              <a:t>23/02/2022</a:t>
+              <a:t>02/23/2022</a:t>
             </a:fld>
             <a:endParaRPr lang="en-NL"/>
           </a:p>
@@ -2469,7 +2477,7 @@
           <a:p>
             <a:fld id="{3DC102A0-5209-461E-B33A-7C4642BCB3F0}" type="datetimeFigureOut">
               <a:rPr lang="en-NL" smtClean="0"/>
-              <a:t>23/02/2022</a:t>
+              <a:t>02/23/2022</a:t>
             </a:fld>
             <a:endParaRPr lang="en-NL"/>
           </a:p>
@@ -2884,7 +2892,7 @@
           <a:p>
             <a:fld id="{3DC102A0-5209-461E-B33A-7C4642BCB3F0}" type="datetimeFigureOut">
               <a:rPr lang="en-NL" smtClean="0"/>
-              <a:t>23/02/2022</a:t>
+              <a:t>02/23/2022</a:t>
             </a:fld>
             <a:endParaRPr lang="en-NL"/>
           </a:p>
@@ -3026,7 +3034,7 @@
           <a:p>
             <a:fld id="{3DC102A0-5209-461E-B33A-7C4642BCB3F0}" type="datetimeFigureOut">
               <a:rPr lang="en-NL" smtClean="0"/>
-              <a:t>23/02/2022</a:t>
+              <a:t>02/23/2022</a:t>
             </a:fld>
             <a:endParaRPr lang="en-NL"/>
           </a:p>
@@ -3139,7 +3147,7 @@
           <a:p>
             <a:fld id="{3DC102A0-5209-461E-B33A-7C4642BCB3F0}" type="datetimeFigureOut">
               <a:rPr lang="en-NL" smtClean="0"/>
-              <a:t>23/02/2022</a:t>
+              <a:t>02/23/2022</a:t>
             </a:fld>
             <a:endParaRPr lang="en-NL"/>
           </a:p>
@@ -3452,7 +3460,7 @@
           <a:p>
             <a:fld id="{3DC102A0-5209-461E-B33A-7C4642BCB3F0}" type="datetimeFigureOut">
               <a:rPr lang="en-NL" smtClean="0"/>
-              <a:t>23/02/2022</a:t>
+              <a:t>02/23/2022</a:t>
             </a:fld>
             <a:endParaRPr lang="en-NL"/>
           </a:p>
@@ -3741,7 +3749,7 @@
           <a:p>
             <a:fld id="{3DC102A0-5209-461E-B33A-7C4642BCB3F0}" type="datetimeFigureOut">
               <a:rPr lang="en-NL" smtClean="0"/>
-              <a:t>23/02/2022</a:t>
+              <a:t>02/23/2022</a:t>
             </a:fld>
             <a:endParaRPr lang="en-NL"/>
           </a:p>
@@ -3984,7 +3992,7 @@
           <a:p>
             <a:fld id="{3DC102A0-5209-461E-B33A-7C4642BCB3F0}" type="datetimeFigureOut">
               <a:rPr lang="en-NL" smtClean="0"/>
-              <a:t>23/02/2022</a:t>
+              <a:t>02/23/2022</a:t>
             </a:fld>
             <a:endParaRPr lang="en-NL"/>
           </a:p>
@@ -5514,6 +5522,276 @@
     <p:extLst>
       <p:ext uri="{BB962C8B-B14F-4D97-AF65-F5344CB8AC3E}">
         <p14:creationId xmlns:p14="http://schemas.microsoft.com/office/powerpoint/2010/main" val="1793372662"/>
+      </p:ext>
+    </p:extLst>
+  </p:cSld>
+  <p:clrMapOvr>
+    <a:masterClrMapping/>
+  </p:clrMapOvr>
+</p:sld>
+</file>
+
+<file path=ppt/slides/slide7.xml><?xml version="1.0" encoding="utf-8"?>
+<p:sld xmlns:a="http://schemas.openxmlformats.org/drawingml/2006/main" xmlns:r="http://schemas.openxmlformats.org/officeDocument/2006/relationships" xmlns:p="http://schemas.openxmlformats.org/presentationml/2006/main">
+  <p:cSld>
+    <p:spTree>
+      <p:nvGrpSpPr>
+        <p:cNvPr id="1" name=""/>
+        <p:cNvGrpSpPr/>
+        <p:nvPr/>
+      </p:nvGrpSpPr>
+      <p:grpSpPr>
+        <a:xfrm>
+          <a:off x="0" y="0"/>
+          <a:ext cx="0" cy="0"/>
+          <a:chOff x="0" y="0"/>
+          <a:chExt cx="0" cy="0"/>
+        </a:xfrm>
+      </p:grpSpPr>
+      <p:sp>
+        <p:nvSpPr>
+          <p:cNvPr id="4" name="Titel 1">
+            <a:extLst>
+              <a:ext uri="{FF2B5EF4-FFF2-40B4-BE49-F238E27FC236}">
+                <a16:creationId xmlns:a16="http://schemas.microsoft.com/office/drawing/2014/main" id="{5E2EFDCB-B66C-49CA-9BB4-127F59FD0878}"/>
+              </a:ext>
+            </a:extLst>
+          </p:cNvPr>
+          <p:cNvSpPr>
+            <a:spLocks noGrp="1"/>
+          </p:cNvSpPr>
+          <p:nvPr>
+            <p:ph type="title"/>
+          </p:nvPr>
+        </p:nvSpPr>
+        <p:spPr>
+          <a:xfrm>
+            <a:off x="838200" y="365125"/>
+            <a:ext cx="10515600" cy="1325563"/>
+          </a:xfrm>
+        </p:spPr>
+        <p:txBody>
+          <a:bodyPr/>
+          <a:lstStyle/>
+          <a:p>
+            <a:r>
+              <a:rPr lang="nl-NL" dirty="0"/>
+              <a:t>Slimme-module</a:t>
+            </a:r>
+            <a:endParaRPr lang="en-NL" dirty="0"/>
+          </a:p>
+        </p:txBody>
+      </p:sp>
+      <p:sp>
+        <p:nvSpPr>
+          <p:cNvPr id="6" name="Pijl: links 5">
+            <a:extLst>
+              <a:ext uri="{FF2B5EF4-FFF2-40B4-BE49-F238E27FC236}">
+                <a16:creationId xmlns:a16="http://schemas.microsoft.com/office/drawing/2014/main" id="{C62946C1-C0DC-4988-B19F-6C4794B03874}"/>
+              </a:ext>
+            </a:extLst>
+          </p:cNvPr>
+          <p:cNvSpPr/>
+          <p:nvPr/>
+        </p:nvSpPr>
+        <p:spPr>
+          <a:xfrm>
+            <a:off x="2128211" y="3290453"/>
+            <a:ext cx="717478" cy="277091"/>
+          </a:xfrm>
+          <a:prstGeom prst="leftArrow">
+            <a:avLst/>
+          </a:prstGeom>
+        </p:spPr>
+        <p:style>
+          <a:lnRef idx="2">
+            <a:schemeClr val="accent5">
+              <a:shade val="50000"/>
+            </a:schemeClr>
+          </a:lnRef>
+          <a:fillRef idx="1">
+            <a:schemeClr val="accent5"/>
+          </a:fillRef>
+          <a:effectRef idx="0">
+            <a:schemeClr val="accent5"/>
+          </a:effectRef>
+          <a:fontRef idx="minor">
+            <a:schemeClr val="lt1"/>
+          </a:fontRef>
+        </p:style>
+        <p:txBody>
+          <a:bodyPr rtlCol="0" anchor="ctr"/>
+          <a:lstStyle/>
+          <a:p>
+            <a:pPr algn="ctr"/>
+            <a:endParaRPr lang="en-NL"/>
+          </a:p>
+        </p:txBody>
+      </p:sp>
+    </p:spTree>
+    <p:extLst>
+      <p:ext uri="{BB962C8B-B14F-4D97-AF65-F5344CB8AC3E}">
+        <p14:creationId xmlns:p14="http://schemas.microsoft.com/office/powerpoint/2010/main" val="3382258030"/>
+      </p:ext>
+    </p:extLst>
+  </p:cSld>
+  <p:clrMapOvr>
+    <a:masterClrMapping/>
+  </p:clrMapOvr>
+</p:sld>
+</file>
+
+<file path=ppt/slides/slide8.xml><?xml version="1.0" encoding="utf-8"?>
+<p:sld xmlns:a="http://schemas.openxmlformats.org/drawingml/2006/main" xmlns:r="http://schemas.openxmlformats.org/officeDocument/2006/relationships" xmlns:p="http://schemas.openxmlformats.org/presentationml/2006/main">
+  <p:cSld>
+    <p:spTree>
+      <p:nvGrpSpPr>
+        <p:cNvPr id="1" name=""/>
+        <p:cNvGrpSpPr/>
+        <p:nvPr/>
+      </p:nvGrpSpPr>
+      <p:grpSpPr>
+        <a:xfrm>
+          <a:off x="0" y="0"/>
+          <a:ext cx="0" cy="0"/>
+          <a:chOff x="0" y="0"/>
+          <a:chExt cx="0" cy="0"/>
+        </a:xfrm>
+      </p:grpSpPr>
+      <p:sp>
+        <p:nvSpPr>
+          <p:cNvPr id="2" name="Titel 1">
+            <a:extLst>
+              <a:ext uri="{FF2B5EF4-FFF2-40B4-BE49-F238E27FC236}">
+                <a16:creationId xmlns:a16="http://schemas.microsoft.com/office/drawing/2014/main" id="{12536E8F-DC8B-446A-A1AD-99F0DF33EE53}"/>
+              </a:ext>
+            </a:extLst>
+          </p:cNvPr>
+          <p:cNvSpPr>
+            <a:spLocks noGrp="1"/>
+          </p:cNvSpPr>
+          <p:nvPr>
+            <p:ph type="title"/>
+          </p:nvPr>
+        </p:nvSpPr>
+        <p:spPr/>
+        <p:txBody>
+          <a:bodyPr/>
+          <a:lstStyle/>
+          <a:p>
+            <a:endParaRPr lang="nl-NL"/>
+          </a:p>
+        </p:txBody>
+      </p:sp>
+      <p:sp>
+        <p:nvSpPr>
+          <p:cNvPr id="3" name="Tijdelijke aanduiding voor inhoud 2">
+            <a:extLst>
+              <a:ext uri="{FF2B5EF4-FFF2-40B4-BE49-F238E27FC236}">
+                <a16:creationId xmlns:a16="http://schemas.microsoft.com/office/drawing/2014/main" id="{64A06797-C582-4238-95BE-E28DF6D6E180}"/>
+              </a:ext>
+            </a:extLst>
+          </p:cNvPr>
+          <p:cNvSpPr>
+            <a:spLocks noGrp="1"/>
+          </p:cNvSpPr>
+          <p:nvPr>
+            <p:ph idx="1"/>
+          </p:nvPr>
+        </p:nvSpPr>
+        <p:spPr/>
+        <p:txBody>
+          <a:bodyPr/>
+          <a:lstStyle/>
+          <a:p>
+            <a:endParaRPr lang="nl-NL"/>
+          </a:p>
+        </p:txBody>
+      </p:sp>
+    </p:spTree>
+    <p:extLst>
+      <p:ext uri="{BB962C8B-B14F-4D97-AF65-F5344CB8AC3E}">
+        <p14:creationId xmlns:p14="http://schemas.microsoft.com/office/powerpoint/2010/main" val="1429982255"/>
+      </p:ext>
+    </p:extLst>
+  </p:cSld>
+  <p:clrMapOvr>
+    <a:masterClrMapping/>
+  </p:clrMapOvr>
+</p:sld>
+</file>
+
+<file path=ppt/slides/slide9.xml><?xml version="1.0" encoding="utf-8"?>
+<p:sld xmlns:a="http://schemas.openxmlformats.org/drawingml/2006/main" xmlns:r="http://schemas.openxmlformats.org/officeDocument/2006/relationships" xmlns:p="http://schemas.openxmlformats.org/presentationml/2006/main">
+  <p:cSld>
+    <p:spTree>
+      <p:nvGrpSpPr>
+        <p:cNvPr id="1" name=""/>
+        <p:cNvGrpSpPr/>
+        <p:nvPr/>
+      </p:nvGrpSpPr>
+      <p:grpSpPr>
+        <a:xfrm>
+          <a:off x="0" y="0"/>
+          <a:ext cx="0" cy="0"/>
+          <a:chOff x="0" y="0"/>
+          <a:chExt cx="0" cy="0"/>
+        </a:xfrm>
+      </p:grpSpPr>
+      <p:sp>
+        <p:nvSpPr>
+          <p:cNvPr id="2" name="Titel 1">
+            <a:extLst>
+              <a:ext uri="{FF2B5EF4-FFF2-40B4-BE49-F238E27FC236}">
+                <a16:creationId xmlns:a16="http://schemas.microsoft.com/office/drawing/2014/main" id="{DF37022D-FDAF-4614-B07F-80FB07848F85}"/>
+              </a:ext>
+            </a:extLst>
+          </p:cNvPr>
+          <p:cNvSpPr>
+            <a:spLocks noGrp="1"/>
+          </p:cNvSpPr>
+          <p:nvPr>
+            <p:ph type="title"/>
+          </p:nvPr>
+        </p:nvSpPr>
+        <p:spPr/>
+        <p:txBody>
+          <a:bodyPr/>
+          <a:lstStyle/>
+          <a:p>
+            <a:endParaRPr lang="nl-NL"/>
+          </a:p>
+        </p:txBody>
+      </p:sp>
+      <p:sp>
+        <p:nvSpPr>
+          <p:cNvPr id="3" name="Tijdelijke aanduiding voor inhoud 2">
+            <a:extLst>
+              <a:ext uri="{FF2B5EF4-FFF2-40B4-BE49-F238E27FC236}">
+                <a16:creationId xmlns:a16="http://schemas.microsoft.com/office/drawing/2014/main" id="{5B91D2FE-A6B5-46D6-A1BE-32D50D0650A5}"/>
+              </a:ext>
+            </a:extLst>
+          </p:cNvPr>
+          <p:cNvSpPr>
+            <a:spLocks noGrp="1"/>
+          </p:cNvSpPr>
+          <p:nvPr>
+            <p:ph idx="1"/>
+          </p:nvPr>
+        </p:nvSpPr>
+        <p:spPr/>
+        <p:txBody>
+          <a:bodyPr/>
+          <a:lstStyle/>
+          <a:p>
+            <a:endParaRPr lang="nl-NL"/>
+          </a:p>
+        </p:txBody>
+      </p:sp>
+    </p:spTree>
+    <p:extLst>
+      <p:ext uri="{BB962C8B-B14F-4D97-AF65-F5344CB8AC3E}">
+        <p14:creationId xmlns:p14="http://schemas.microsoft.com/office/powerpoint/2010/main" val="929332237"/>
       </p:ext>
     </p:extLst>
   </p:cSld>
